--- a/Slides/3 - Thread e Database/02 - Thread e Database - Database.pptx
+++ b/Slides/3 - Thread e Database/02 - Thread e Database - Database.pptx
@@ -17,16 +17,17 @@
     <p:sldId id="262" r:id="rId12"/>
     <p:sldId id="263" r:id="rId13"/>
     <p:sldId id="264" r:id="rId14"/>
+    <p:sldId id="265" r:id="rId15"/>
   </p:sldIdLst>
   <p:sldSz cy="5143500" cx="9144000"/>
   <p:notesSz cx="6858000" cy="9144000"/>
   <p:embeddedFontLst>
     <p:embeddedFont>
       <p:font typeface="Roboto"/>
-      <p:regular r:id="rId15"/>
-      <p:bold r:id="rId16"/>
-      <p:italic r:id="rId17"/>
-      <p:boldItalic r:id="rId18"/>
+      <p:regular r:id="rId16"/>
+      <p:bold r:id="rId17"/>
+      <p:italic r:id="rId18"/>
+      <p:boldItalic r:id="rId19"/>
     </p:embeddedFont>
   </p:embeddedFontLst>
   <p:defaultTextStyle>
@@ -802,6 +803,105 @@
 </p:notes>
 </file>
 
+<file path=ppt/notesSlides/notesSlide10.xml><?xml version="1.0" encoding="utf-8"?>
+<p:notes xmlns:a="http://schemas.openxmlformats.org/drawingml/2006/main" xmlns:r="http://schemas.openxmlformats.org/officeDocument/2006/relationships" xmlns:mc="http://schemas.openxmlformats.org/markup-compatibility/2006" xmlns:mv="urn:schemas-microsoft-com:mac:vml" xmlns:p="http://schemas.openxmlformats.org/presentationml/2006/main" xmlns:c="http://schemas.openxmlformats.org/drawingml/2006/chart" xmlns:dgm="http://schemas.openxmlformats.org/drawingml/2006/diagram" xmlns:o="urn:schemas-microsoft-com:office:office" xmlns:v="urn:schemas-microsoft-com:vml" xmlns:pvml="urn:schemas-microsoft-com:office:powerpoint" xmlns:com="http://schemas.openxmlformats.org/drawingml/2006/compatibility" xmlns:p14="http://schemas.microsoft.com/office/powerpoint/2010/main" xmlns:p15="http://schemas.microsoft.com/office/powerpoint/2012/main" xmlns:ahyp="http://schemas.microsoft.com/office/drawing/2018/hyperlinkcolor" showMasterPhAnim="0" showMasterSp="0">
+  <p:cSld>
+    <p:spTree>
+      <p:nvGrpSpPr>
+        <p:cNvPr id="117" name="Shape 117"/>
+        <p:cNvGrpSpPr/>
+        <p:nvPr/>
+      </p:nvGrpSpPr>
+      <p:grpSpPr>
+        <a:xfrm>
+          <a:off x="0" y="0"/>
+          <a:ext cx="0" cy="0"/>
+          <a:chOff x="0" y="0"/>
+          <a:chExt cx="0" cy="0"/>
+        </a:xfrm>
+      </p:grpSpPr>
+      <p:sp>
+        <p:nvSpPr>
+          <p:cNvPr id="118" name="Google Shape;118;g1112437c988_2_27:notes"/>
+          <p:cNvSpPr/>
+          <p:nvPr>
+            <p:ph idx="2" type="sldImg"/>
+          </p:nvPr>
+        </p:nvSpPr>
+        <p:spPr>
+          <a:xfrm>
+            <a:off x="381300" y="685800"/>
+            <a:ext cx="6096000" cy="3429000"/>
+          </a:xfrm>
+          <a:custGeom>
+            <a:rect b="b" l="l" r="r" t="t"/>
+            <a:pathLst>
+              <a:path extrusionOk="0" h="120000" w="120000">
+                <a:moveTo>
+                  <a:pt x="0" y="0"/>
+                </a:moveTo>
+                <a:lnTo>
+                  <a:pt x="120000" y="0"/>
+                </a:lnTo>
+                <a:lnTo>
+                  <a:pt x="120000" y="120000"/>
+                </a:lnTo>
+                <a:lnTo>
+                  <a:pt x="0" y="120000"/>
+                </a:lnTo>
+                <a:close/>
+              </a:path>
+            </a:pathLst>
+          </a:custGeom>
+        </p:spPr>
+      </p:sp>
+      <p:sp>
+        <p:nvSpPr>
+          <p:cNvPr id="119" name="Google Shape;119;g1112437c988_2_27:notes"/>
+          <p:cNvSpPr txBox="1"/>
+          <p:nvPr>
+            <p:ph idx="1" type="body"/>
+          </p:nvPr>
+        </p:nvSpPr>
+        <p:spPr>
+          <a:xfrm>
+            <a:off x="685800" y="4343400"/>
+            <a:ext cx="5486400" cy="4114800"/>
+          </a:xfrm>
+          <a:prstGeom prst="rect">
+            <a:avLst/>
+          </a:prstGeom>
+        </p:spPr>
+        <p:txBody>
+          <a:bodyPr anchorCtr="0" anchor="t" bIns="91425" lIns="91425" spcFirstLastPara="1" rIns="91425" wrap="square" tIns="91425">
+            <a:noAutofit/>
+          </a:bodyPr>
+          <a:lstStyle/>
+          <a:p>
+            <a:pPr indent="0" lvl="0" marL="0" rtl="0" algn="l">
+              <a:spcBef>
+                <a:spcPts val="0"/>
+              </a:spcBef>
+              <a:spcAft>
+                <a:spcPts val="0"/>
+              </a:spcAft>
+              <a:buNone/>
+            </a:pPr>
+            <a:r>
+              <a:t/>
+            </a:r>
+            <a:endParaRPr/>
+          </a:p>
+        </p:txBody>
+      </p:sp>
+    </p:spTree>
+  </p:cSld>
+  <p:clrMapOvr>
+    <a:masterClrMapping/>
+  </p:clrMapOvr>
+</p:notes>
+</file>
+
 <file path=ppt/notesSlides/notesSlide2.xml><?xml version="1.0" encoding="utf-8"?>
 <p:notes xmlns:a="http://schemas.openxmlformats.org/drawingml/2006/main" xmlns:r="http://schemas.openxmlformats.org/officeDocument/2006/relationships" xmlns:mc="http://schemas.openxmlformats.org/markup-compatibility/2006" xmlns:mv="urn:schemas-microsoft-com:mac:vml" xmlns:p="http://schemas.openxmlformats.org/presentationml/2006/main" xmlns:c="http://schemas.openxmlformats.org/drawingml/2006/chart" xmlns:dgm="http://schemas.openxmlformats.org/drawingml/2006/diagram" xmlns:o="urn:schemas-microsoft-com:office:office" xmlns:v="urn:schemas-microsoft-com:vml" xmlns:pvml="urn:schemas-microsoft-com:office:powerpoint" xmlns:com="http://schemas.openxmlformats.org/drawingml/2006/compatibility" xmlns:p14="http://schemas.microsoft.com/office/powerpoint/2010/main" xmlns:p15="http://schemas.microsoft.com/office/powerpoint/2012/main" xmlns:ahyp="http://schemas.microsoft.com/office/drawing/2018/hyperlinkcolor" showMasterPhAnim="0" showMasterSp="0">
   <p:cSld>
@@ -1514,7 +1614,7 @@
       </p:grpSpPr>
       <p:sp>
         <p:nvSpPr>
-          <p:cNvPr id="112" name="Google Shape;112;g1112437c988_2_27:notes"/>
+          <p:cNvPr id="112" name="Google Shape;112;g1297d170704_1_1:notes"/>
           <p:cNvSpPr/>
           <p:nvPr>
             <p:ph idx="2" type="sldImg"/>
@@ -1549,7 +1649,7 @@
       </p:sp>
       <p:sp>
         <p:nvSpPr>
-          <p:cNvPr id="113" name="Google Shape;113;g1112437c988_2_27:notes"/>
+          <p:cNvPr id="113" name="Google Shape;113;g1297d170704_1_1:notes"/>
           <p:cNvSpPr txBox="1"/>
           <p:nvPr>
             <p:ph idx="1" type="body"/>
@@ -7618,6 +7718,652 @@
               <a:t>Carmine Dodaro - Università della Calabria</a:t>
             </a:r>
             <a:endParaRPr sz="2400"/>
+          </a:p>
+        </p:txBody>
+      </p:sp>
+    </p:spTree>
+  </p:cSld>
+  <p:clrMapOvr>
+    <a:masterClrMapping/>
+  </p:clrMapOvr>
+</p:sld>
+</file>
+
+<file path=ppt/slides/slide10.xml><?xml version="1.0" encoding="utf-8"?>
+<p:sld xmlns:a="http://schemas.openxmlformats.org/drawingml/2006/main" xmlns:r="http://schemas.openxmlformats.org/officeDocument/2006/relationships" xmlns:mc="http://schemas.openxmlformats.org/markup-compatibility/2006" xmlns:mv="urn:schemas-microsoft-com:mac:vml" xmlns:p="http://schemas.openxmlformats.org/presentationml/2006/main" xmlns:c="http://schemas.openxmlformats.org/drawingml/2006/chart" xmlns:dgm="http://schemas.openxmlformats.org/drawingml/2006/diagram" xmlns:o="urn:schemas-microsoft-com:office:office" xmlns:v="urn:schemas-microsoft-com:vml" xmlns:pvml="urn:schemas-microsoft-com:office:powerpoint" xmlns:com="http://schemas.openxmlformats.org/drawingml/2006/compatibility" xmlns:p14="http://schemas.microsoft.com/office/powerpoint/2010/main" xmlns:p15="http://schemas.microsoft.com/office/powerpoint/2012/main" xmlns:ahyp="http://schemas.microsoft.com/office/drawing/2018/hyperlinkcolor">
+  <p:cSld>
+    <p:spTree>
+      <p:nvGrpSpPr>
+        <p:cNvPr id="120" name="Shape 120"/>
+        <p:cNvGrpSpPr/>
+        <p:nvPr/>
+      </p:nvGrpSpPr>
+      <p:grpSpPr>
+        <a:xfrm>
+          <a:off x="0" y="0"/>
+          <a:ext cx="0" cy="0"/>
+          <a:chOff x="0" y="0"/>
+          <a:chExt cx="0" cy="0"/>
+        </a:xfrm>
+      </p:grpSpPr>
+      <p:sp>
+        <p:nvSpPr>
+          <p:cNvPr id="121" name="Google Shape;121;p22"/>
+          <p:cNvSpPr txBox="1"/>
+          <p:nvPr>
+            <p:ph idx="4294967295" type="body"/>
+          </p:nvPr>
+        </p:nvSpPr>
+        <p:spPr>
+          <a:xfrm>
+            <a:off x="326250" y="757625"/>
+            <a:ext cx="8598600" cy="4200300"/>
+          </a:xfrm>
+          <a:prstGeom prst="rect">
+            <a:avLst/>
+          </a:prstGeom>
+        </p:spPr>
+        <p:txBody>
+          <a:bodyPr anchorCtr="0" anchor="t" bIns="91425" lIns="91425" spcFirstLastPara="1" rIns="91425" wrap="square" tIns="91425">
+            <a:noAutofit/>
+          </a:bodyPr>
+          <a:lstStyle/>
+          <a:p>
+            <a:pPr indent="0" lvl="0" marL="0" rtl="0" algn="l">
+              <a:spcBef>
+                <a:spcPts val="0"/>
+              </a:spcBef>
+              <a:spcAft>
+                <a:spcPts val="0"/>
+              </a:spcAft>
+              <a:buNone/>
+            </a:pPr>
+            <a:r>
+              <a:rPr lang="it" sz="1200"/>
+              <a:t>Quando si utilizza il database per memorizzare dei dati sensibili come le </a:t>
+            </a:r>
+            <a:r>
+              <a:rPr lang="it" sz="1200">
+                <a:solidFill>
+                  <a:schemeClr val="accent3"/>
+                </a:solidFill>
+              </a:rPr>
+              <a:t>password</a:t>
+            </a:r>
+            <a:r>
+              <a:rPr lang="it" sz="1200"/>
+              <a:t>, è opportuno che </a:t>
+            </a:r>
+            <a:r>
+              <a:rPr lang="it" sz="1200">
+                <a:solidFill>
+                  <a:schemeClr val="accent3"/>
+                </a:solidFill>
+              </a:rPr>
+              <a:t>non siano salvate in chiaro</a:t>
+            </a:r>
+            <a:r>
+              <a:rPr lang="it" sz="1200"/>
+              <a:t>! Ci sono diverse possibili soluzioni che si possono adottare, es. (</a:t>
+            </a:r>
+            <a:r>
+              <a:rPr lang="it" sz="1200">
+                <a:solidFill>
+                  <a:schemeClr val="accent3"/>
+                </a:solidFill>
+              </a:rPr>
+              <a:t>Bcrypt</a:t>
+            </a:r>
+            <a:r>
+              <a:rPr lang="it" sz="1200"/>
+              <a:t>, PBKDF2, Scrypt, ecc.). </a:t>
+            </a:r>
+            <a:r>
+              <a:rPr lang="it" sz="1200"/>
+              <a:t>Download spring security: </a:t>
+            </a:r>
+            <a:r>
+              <a:rPr lang="it" sz="1200" u="sng">
+                <a:solidFill>
+                  <a:schemeClr val="hlink"/>
+                </a:solidFill>
+                <a:hlinkClick r:id="rId3"/>
+              </a:rPr>
+              <a:t>https://mvnrepository.com/artifact/org.springframework.security/spring-security-core</a:t>
+            </a:r>
+            <a:r>
+              <a:rPr lang="it" sz="1200"/>
+              <a:t>.</a:t>
+            </a:r>
+            <a:endParaRPr sz="1200"/>
+          </a:p>
+          <a:p>
+            <a:pPr indent="0" lvl="0" marL="0" rtl="0" algn="l">
+              <a:spcBef>
+                <a:spcPts val="0"/>
+              </a:spcBef>
+              <a:spcAft>
+                <a:spcPts val="0"/>
+              </a:spcAft>
+              <a:buNone/>
+            </a:pPr>
+            <a:r>
+              <a:t/>
+            </a:r>
+            <a:endParaRPr sz="1200"/>
+          </a:p>
+          <a:p>
+            <a:pPr indent="0" lvl="0" marL="0" rtl="0" algn="l">
+              <a:spcBef>
+                <a:spcPts val="0"/>
+              </a:spcBef>
+              <a:spcAft>
+                <a:spcPts val="0"/>
+              </a:spcAft>
+              <a:buNone/>
+            </a:pPr>
+            <a:r>
+              <a:rPr lang="it" sz="1200">
+                <a:solidFill>
+                  <a:srgbClr val="1EB540"/>
+                </a:solidFill>
+                <a:latin typeface="Courier New"/>
+                <a:ea typeface="Courier New"/>
+                <a:cs typeface="Courier New"/>
+                <a:sym typeface="Courier New"/>
+              </a:rPr>
+              <a:t>//Codifica della password:</a:t>
+            </a:r>
+            <a:endParaRPr sz="1200">
+              <a:solidFill>
+                <a:srgbClr val="1EB540"/>
+              </a:solidFill>
+              <a:latin typeface="Courier New"/>
+              <a:ea typeface="Courier New"/>
+              <a:cs typeface="Courier New"/>
+              <a:sym typeface="Courier New"/>
+            </a:endParaRPr>
+          </a:p>
+          <a:p>
+            <a:pPr indent="0" lvl="0" marL="0" rtl="0" algn="l">
+              <a:spcBef>
+                <a:spcPts val="0"/>
+              </a:spcBef>
+              <a:spcAft>
+                <a:spcPts val="0"/>
+              </a:spcAft>
+              <a:buNone/>
+            </a:pPr>
+            <a:r>
+              <a:rPr lang="it" sz="1200">
+                <a:latin typeface="Courier New"/>
+                <a:ea typeface="Courier New"/>
+                <a:cs typeface="Courier New"/>
+                <a:sym typeface="Courier New"/>
+              </a:rPr>
+              <a:t>String userPassword = </a:t>
+            </a:r>
+            <a:r>
+              <a:rPr lang="it" sz="1200">
+                <a:solidFill>
+                  <a:srgbClr val="9400D1"/>
+                </a:solidFill>
+                <a:latin typeface="Courier New"/>
+                <a:ea typeface="Courier New"/>
+                <a:cs typeface="Courier New"/>
+                <a:sym typeface="Courier New"/>
+              </a:rPr>
+              <a:t>"this_is_the_password_of_the_user" </a:t>
+            </a:r>
+            <a:r>
+              <a:rPr lang="it" sz="1200">
+                <a:latin typeface="Courier New"/>
+                <a:ea typeface="Courier New"/>
+                <a:cs typeface="Courier New"/>
+                <a:sym typeface="Courier New"/>
+              </a:rPr>
+              <a:t>; </a:t>
+            </a:r>
+            <a:r>
+              <a:rPr lang="it" sz="1200">
+                <a:solidFill>
+                  <a:srgbClr val="1EB540"/>
+                </a:solidFill>
+                <a:latin typeface="Courier New"/>
+                <a:ea typeface="Courier New"/>
+                <a:cs typeface="Courier New"/>
+                <a:sym typeface="Courier New"/>
+              </a:rPr>
+              <a:t>//Questa è la password dell’utente</a:t>
+            </a:r>
+            <a:endParaRPr sz="1200">
+              <a:solidFill>
+                <a:srgbClr val="1EB540"/>
+              </a:solidFill>
+              <a:latin typeface="Courier New"/>
+              <a:ea typeface="Courier New"/>
+              <a:cs typeface="Courier New"/>
+              <a:sym typeface="Courier New"/>
+            </a:endParaRPr>
+          </a:p>
+          <a:p>
+            <a:pPr indent="0" lvl="0" marL="0" rtl="0" algn="l">
+              <a:spcBef>
+                <a:spcPts val="0"/>
+              </a:spcBef>
+              <a:spcAft>
+                <a:spcPts val="0"/>
+              </a:spcAft>
+              <a:buNone/>
+            </a:pPr>
+            <a:r>
+              <a:t/>
+            </a:r>
+            <a:endParaRPr sz="1200">
+              <a:solidFill>
+                <a:srgbClr val="1EB540"/>
+              </a:solidFill>
+              <a:latin typeface="Courier New"/>
+              <a:ea typeface="Courier New"/>
+              <a:cs typeface="Courier New"/>
+              <a:sym typeface="Courier New"/>
+            </a:endParaRPr>
+          </a:p>
+          <a:p>
+            <a:pPr indent="0" lvl="0" marL="0" rtl="0" algn="l">
+              <a:spcBef>
+                <a:spcPts val="0"/>
+              </a:spcBef>
+              <a:spcAft>
+                <a:spcPts val="0"/>
+              </a:spcAft>
+              <a:buNone/>
+            </a:pPr>
+            <a:r>
+              <a:rPr lang="it" sz="1200">
+                <a:solidFill>
+                  <a:srgbClr val="1EB540"/>
+                </a:solidFill>
+                <a:latin typeface="Courier New"/>
+                <a:ea typeface="Courier New"/>
+                <a:cs typeface="Courier New"/>
+                <a:sym typeface="Courier New"/>
+              </a:rPr>
+              <a:t>//Generazione della password criptata.</a:t>
+            </a:r>
+            <a:endParaRPr sz="1200">
+              <a:solidFill>
+                <a:srgbClr val="1EB540"/>
+              </a:solidFill>
+              <a:latin typeface="Courier New"/>
+              <a:ea typeface="Courier New"/>
+              <a:cs typeface="Courier New"/>
+              <a:sym typeface="Courier New"/>
+            </a:endParaRPr>
+          </a:p>
+          <a:p>
+            <a:pPr indent="0" lvl="0" marL="0" rtl="0" algn="l">
+              <a:spcBef>
+                <a:spcPts val="0"/>
+              </a:spcBef>
+              <a:spcAft>
+                <a:spcPts val="0"/>
+              </a:spcAft>
+              <a:buNone/>
+            </a:pPr>
+            <a:r>
+              <a:rPr lang="it" sz="1200">
+                <a:latin typeface="Courier New"/>
+                <a:ea typeface="Courier New"/>
+                <a:cs typeface="Courier New"/>
+                <a:sym typeface="Courier New"/>
+              </a:rPr>
+              <a:t>String encryptedPassword = BCrypt.hashpw(userPassword, BCrypt.gensalt(12));</a:t>
+            </a:r>
+            <a:endParaRPr sz="1200">
+              <a:latin typeface="Courier New"/>
+              <a:ea typeface="Courier New"/>
+              <a:cs typeface="Courier New"/>
+              <a:sym typeface="Courier New"/>
+            </a:endParaRPr>
+          </a:p>
+          <a:p>
+            <a:pPr indent="0" lvl="0" marL="0" rtl="0" algn="l">
+              <a:spcBef>
+                <a:spcPts val="0"/>
+              </a:spcBef>
+              <a:spcAft>
+                <a:spcPts val="0"/>
+              </a:spcAft>
+              <a:buNone/>
+            </a:pPr>
+            <a:r>
+              <a:rPr lang="it" sz="1200">
+                <a:latin typeface="Courier New"/>
+                <a:ea typeface="Courier New"/>
+                <a:cs typeface="Courier New"/>
+                <a:sym typeface="Courier New"/>
+              </a:rPr>
+              <a:t>System.out.println(encryptedPassword); </a:t>
+            </a:r>
+            <a:r>
+              <a:rPr lang="it" sz="1200">
+                <a:solidFill>
+                  <a:srgbClr val="1EB540"/>
+                </a:solidFill>
+                <a:latin typeface="Courier New"/>
+                <a:ea typeface="Courier New"/>
+                <a:cs typeface="Courier New"/>
+                <a:sym typeface="Courier New"/>
+              </a:rPr>
+              <a:t>//Nel database si salva questa encryptedPassword</a:t>
+            </a:r>
+            <a:endParaRPr sz="1200">
+              <a:solidFill>
+                <a:srgbClr val="1EB540"/>
+              </a:solidFill>
+              <a:latin typeface="Courier New"/>
+              <a:ea typeface="Courier New"/>
+              <a:cs typeface="Courier New"/>
+              <a:sym typeface="Courier New"/>
+            </a:endParaRPr>
+          </a:p>
+          <a:p>
+            <a:pPr indent="0" lvl="0" marL="0" rtl="0" algn="l">
+              <a:spcBef>
+                <a:spcPts val="0"/>
+              </a:spcBef>
+              <a:spcAft>
+                <a:spcPts val="0"/>
+              </a:spcAft>
+              <a:buNone/>
+            </a:pPr>
+            <a:r>
+              <a:t/>
+            </a:r>
+            <a:endParaRPr sz="1200">
+              <a:solidFill>
+                <a:srgbClr val="1EB540"/>
+              </a:solidFill>
+              <a:latin typeface="Courier New"/>
+              <a:ea typeface="Courier New"/>
+              <a:cs typeface="Courier New"/>
+              <a:sym typeface="Courier New"/>
+            </a:endParaRPr>
+          </a:p>
+          <a:p>
+            <a:pPr indent="0" lvl="0" marL="0" rtl="0" algn="l">
+              <a:spcBef>
+                <a:spcPts val="0"/>
+              </a:spcBef>
+              <a:spcAft>
+                <a:spcPts val="0"/>
+              </a:spcAft>
+              <a:buNone/>
+            </a:pPr>
+            <a:r>
+              <a:rPr lang="it" sz="1200">
+                <a:solidFill>
+                  <a:srgbClr val="1EB540"/>
+                </a:solidFill>
+                <a:latin typeface="Courier New"/>
+                <a:ea typeface="Courier New"/>
+                <a:cs typeface="Courier New"/>
+                <a:sym typeface="Courier New"/>
+              </a:rPr>
+              <a:t>//Controllo</a:t>
+            </a:r>
+            <a:endParaRPr sz="1200">
+              <a:solidFill>
+                <a:srgbClr val="1EB540"/>
+              </a:solidFill>
+              <a:latin typeface="Courier New"/>
+              <a:ea typeface="Courier New"/>
+              <a:cs typeface="Courier New"/>
+              <a:sym typeface="Courier New"/>
+            </a:endParaRPr>
+          </a:p>
+          <a:p>
+            <a:pPr indent="0" lvl="0" marL="0" rtl="0" algn="l">
+              <a:spcBef>
+                <a:spcPts val="0"/>
+              </a:spcBef>
+              <a:spcAft>
+                <a:spcPts val="0"/>
+              </a:spcAft>
+              <a:buNone/>
+            </a:pPr>
+            <a:r>
+              <a:rPr lang="it" sz="1200">
+                <a:solidFill>
+                  <a:srgbClr val="0000BF"/>
+                </a:solidFill>
+                <a:latin typeface="Courier New"/>
+                <a:ea typeface="Courier New"/>
+                <a:cs typeface="Courier New"/>
+                <a:sym typeface="Courier New"/>
+              </a:rPr>
+              <a:t>boolean</a:t>
+            </a:r>
+            <a:r>
+              <a:rPr lang="it" sz="1200">
+                <a:latin typeface="Courier New"/>
+                <a:ea typeface="Courier New"/>
+                <a:cs typeface="Courier New"/>
+                <a:sym typeface="Courier New"/>
+              </a:rPr>
+              <a:t> check = BCrypt.checkpw(userPassword, encryptedPassword);</a:t>
+            </a:r>
+            <a:endParaRPr sz="1200">
+              <a:latin typeface="Courier New"/>
+              <a:ea typeface="Courier New"/>
+              <a:cs typeface="Courier New"/>
+              <a:sym typeface="Courier New"/>
+            </a:endParaRPr>
+          </a:p>
+          <a:p>
+            <a:pPr indent="0" lvl="0" marL="0" rtl="0" algn="l">
+              <a:spcBef>
+                <a:spcPts val="0"/>
+              </a:spcBef>
+              <a:spcAft>
+                <a:spcPts val="0"/>
+              </a:spcAft>
+              <a:buNone/>
+            </a:pPr>
+            <a:r>
+              <a:rPr lang="it" sz="1200">
+                <a:solidFill>
+                  <a:srgbClr val="0000BF"/>
+                </a:solidFill>
+                <a:latin typeface="Courier New"/>
+                <a:ea typeface="Courier New"/>
+                <a:cs typeface="Courier New"/>
+                <a:sym typeface="Courier New"/>
+              </a:rPr>
+              <a:t>if</a:t>
+            </a:r>
+            <a:r>
+              <a:rPr lang="it" sz="1200">
+                <a:latin typeface="Courier New"/>
+                <a:ea typeface="Courier New"/>
+                <a:cs typeface="Courier New"/>
+                <a:sym typeface="Courier New"/>
+              </a:rPr>
+              <a:t>(check)</a:t>
+            </a:r>
+            <a:endParaRPr sz="1200">
+              <a:latin typeface="Courier New"/>
+              <a:ea typeface="Courier New"/>
+              <a:cs typeface="Courier New"/>
+              <a:sym typeface="Courier New"/>
+            </a:endParaRPr>
+          </a:p>
+          <a:p>
+            <a:pPr indent="0" lvl="0" marL="0" rtl="0" algn="l">
+              <a:spcBef>
+                <a:spcPts val="0"/>
+              </a:spcBef>
+              <a:spcAft>
+                <a:spcPts val="0"/>
+              </a:spcAft>
+              <a:buNone/>
+            </a:pPr>
+            <a:r>
+              <a:rPr lang="it" sz="1200">
+                <a:latin typeface="Courier New"/>
+                <a:ea typeface="Courier New"/>
+                <a:cs typeface="Courier New"/>
+                <a:sym typeface="Courier New"/>
+              </a:rPr>
+              <a:t>    System.out.println(</a:t>
+            </a:r>
+            <a:r>
+              <a:rPr lang="it" sz="1200">
+                <a:solidFill>
+                  <a:srgbClr val="9400D1"/>
+                </a:solidFill>
+                <a:latin typeface="Courier New"/>
+                <a:ea typeface="Courier New"/>
+                <a:cs typeface="Courier New"/>
+                <a:sym typeface="Courier New"/>
+              </a:rPr>
+              <a:t>"Password OK"</a:t>
+            </a:r>
+            <a:r>
+              <a:rPr lang="it" sz="1200">
+                <a:latin typeface="Courier New"/>
+                <a:ea typeface="Courier New"/>
+                <a:cs typeface="Courier New"/>
+                <a:sym typeface="Courier New"/>
+              </a:rPr>
+              <a:t>);</a:t>
+            </a:r>
+            <a:endParaRPr sz="1200">
+              <a:latin typeface="Courier New"/>
+              <a:ea typeface="Courier New"/>
+              <a:cs typeface="Courier New"/>
+              <a:sym typeface="Courier New"/>
+            </a:endParaRPr>
+          </a:p>
+          <a:p>
+            <a:pPr indent="0" lvl="0" marL="0" rtl="0" algn="l">
+              <a:spcBef>
+                <a:spcPts val="0"/>
+              </a:spcBef>
+              <a:spcAft>
+                <a:spcPts val="0"/>
+              </a:spcAft>
+              <a:buNone/>
+            </a:pPr>
+            <a:r>
+              <a:rPr lang="it" sz="1200">
+                <a:solidFill>
+                  <a:srgbClr val="0000BF"/>
+                </a:solidFill>
+                <a:latin typeface="Courier New"/>
+                <a:ea typeface="Courier New"/>
+                <a:cs typeface="Courier New"/>
+                <a:sym typeface="Courier New"/>
+              </a:rPr>
+              <a:t>else</a:t>
+            </a:r>
+            <a:endParaRPr sz="1200">
+              <a:solidFill>
+                <a:srgbClr val="0000BF"/>
+              </a:solidFill>
+              <a:latin typeface="Courier New"/>
+              <a:ea typeface="Courier New"/>
+              <a:cs typeface="Courier New"/>
+              <a:sym typeface="Courier New"/>
+            </a:endParaRPr>
+          </a:p>
+          <a:p>
+            <a:pPr indent="0" lvl="0" marL="0" rtl="0" algn="l">
+              <a:spcBef>
+                <a:spcPts val="0"/>
+              </a:spcBef>
+              <a:spcAft>
+                <a:spcPts val="0"/>
+              </a:spcAft>
+              <a:buNone/>
+            </a:pPr>
+            <a:r>
+              <a:rPr lang="it" sz="1200">
+                <a:latin typeface="Courier New"/>
+                <a:ea typeface="Courier New"/>
+                <a:cs typeface="Courier New"/>
+                <a:sym typeface="Courier New"/>
+              </a:rPr>
+              <a:t>    System.out.println(</a:t>
+            </a:r>
+            <a:r>
+              <a:rPr lang="it" sz="1200">
+                <a:solidFill>
+                  <a:srgbClr val="9400D1"/>
+                </a:solidFill>
+                <a:latin typeface="Courier New"/>
+                <a:ea typeface="Courier New"/>
+                <a:cs typeface="Courier New"/>
+                <a:sym typeface="Courier New"/>
+              </a:rPr>
+              <a:t>"Wrong password"</a:t>
+            </a:r>
+            <a:r>
+              <a:rPr lang="it" sz="1200">
+                <a:latin typeface="Courier New"/>
+                <a:ea typeface="Courier New"/>
+                <a:cs typeface="Courier New"/>
+                <a:sym typeface="Courier New"/>
+              </a:rPr>
+              <a:t>);</a:t>
+            </a:r>
+            <a:endParaRPr sz="1200">
+              <a:latin typeface="Courier New"/>
+              <a:ea typeface="Courier New"/>
+              <a:cs typeface="Courier New"/>
+              <a:sym typeface="Courier New"/>
+            </a:endParaRPr>
+          </a:p>
+        </p:txBody>
+      </p:sp>
+      <p:sp>
+        <p:nvSpPr>
+          <p:cNvPr id="122" name="Google Shape;122;p22"/>
+          <p:cNvSpPr txBox="1"/>
+          <p:nvPr>
+            <p:ph type="title"/>
+          </p:nvPr>
+        </p:nvSpPr>
+        <p:spPr>
+          <a:xfrm>
+            <a:off x="98250" y="16350"/>
+            <a:ext cx="8826600" cy="602700"/>
+          </a:xfrm>
+          <a:prstGeom prst="rect">
+            <a:avLst/>
+          </a:prstGeom>
+        </p:spPr>
+        <p:txBody>
+          <a:bodyPr anchorCtr="0" anchor="ctr" bIns="91425" lIns="91425" spcFirstLastPara="1" rIns="91425" wrap="square" tIns="91425">
+            <a:noAutofit/>
+          </a:bodyPr>
+          <a:lstStyle/>
+          <a:p>
+            <a:pPr indent="0" lvl="0" marL="0" rtl="0" algn="l">
+              <a:spcBef>
+                <a:spcPts val="0"/>
+              </a:spcBef>
+              <a:spcAft>
+                <a:spcPts val="0"/>
+              </a:spcAft>
+              <a:buNone/>
+            </a:pPr>
+            <a:r>
+              <a:rPr lang="it"/>
+              <a:t>Osservazione sulle password</a:t>
+            </a:r>
+            <a:endParaRPr/>
           </a:p>
         </p:txBody>
       </p:sp>
@@ -9232,7 +9978,20 @@
             </a:r>
             <a:r>
               <a:rPr lang="it" sz="1400"/>
-              <a:t> è la classe che permette di gestire i driver JDBC. Fornisce il metodo statico getConnection, il quale riceve come parametro un URL dove si trova il database e restituisce un oggetto Connection</a:t>
+              <a:t> è la classe che permette di gestire i driver JDBC. Fornisce il metodo statico getConnection, il quale riceve come parametro un URL dove si trova il database e restituisce un oggetto di tipo </a:t>
+            </a:r>
+            <a:r>
+              <a:rPr lang="it" sz="1400">
+                <a:latin typeface="Courier New"/>
+                <a:ea typeface="Courier New"/>
+                <a:cs typeface="Courier New"/>
+                <a:sym typeface="Courier New"/>
+              </a:rPr>
+              <a:t>Connection</a:t>
+            </a:r>
+            <a:r>
+              <a:rPr lang="it" sz="1400"/>
+              <a:t>.</a:t>
             </a:r>
             <a:endParaRPr sz="1400"/>
           </a:p>
@@ -10251,7 +11010,7 @@
             </a:pPr>
             <a:r>
               <a:rPr lang="it" sz="1200"/>
-              <a:t>Dopo l’aggiunta, ricordarsi di aggiornare il progetto (tasto destro sul progetto -&gt; Maven -&gt; Update Project…).</a:t>
+              <a:t>Dopo l’aggiunta, ricordarsi di aggiornare il progetto (su eclipse tasto destro sul progetto -&gt; Maven -&gt; Update Project…).</a:t>
             </a:r>
             <a:endParaRPr sz="1200"/>
           </a:p>
@@ -10314,7 +11073,7 @@
             </a:pPr>
             <a:r>
               <a:rPr lang="it" sz="1200"/>
-              <a:t>Manualmente (sconsigliato):</a:t>
+              <a:t>Manualmente su eclipse (sconsigliato):</a:t>
             </a:r>
             <a:endParaRPr sz="1200"/>
           </a:p>
@@ -10868,8 +11627,8 @@
         </p:nvSpPr>
         <p:spPr>
           <a:xfrm>
-            <a:off x="326250" y="757625"/>
-            <a:ext cx="8598600" cy="4200300"/>
+            <a:off x="150" y="669625"/>
+            <a:ext cx="9144000" cy="4434900"/>
           </a:xfrm>
           <a:prstGeom prst="rect">
             <a:avLst/>
@@ -10942,35 +11701,6 @@
               </a:rPr>
               <a:t>;</a:t>
             </a:r>
-            <a:endParaRPr sz="1200">
-              <a:latin typeface="Courier New"/>
-              <a:ea typeface="Courier New"/>
-              <a:cs typeface="Courier New"/>
-              <a:sym typeface="Courier New"/>
-            </a:endParaRPr>
-          </a:p>
-          <a:p>
-            <a:pPr indent="0" lvl="0" marL="0" rtl="0" algn="l">
-              <a:lnSpc>
-                <a:spcPct val="100000"/>
-              </a:lnSpc>
-              <a:spcBef>
-                <a:spcPts val="0"/>
-              </a:spcBef>
-              <a:spcAft>
-                <a:spcPts val="0"/>
-              </a:spcAft>
-              <a:buNone/>
-            </a:pPr>
-            <a:r>
-              <a:rPr lang="it" sz="1400">
-                <a:latin typeface="Courier New"/>
-                <a:ea typeface="Courier New"/>
-                <a:cs typeface="Courier New"/>
-                <a:sym typeface="Courier New"/>
-              </a:rPr>
-              <a:t>Statement stmt = con.createStatement();</a:t>
-            </a:r>
             <a:endParaRPr sz="1400">
               <a:latin typeface="Courier New"/>
               <a:ea typeface="Courier New"/>
@@ -10998,7 +11728,7 @@
                 <a:cs typeface="Courier New"/>
                 <a:sym typeface="Courier New"/>
               </a:rPr>
-              <a:t>stmt.executeUpdate(query);</a:t>
+              <a:t>Statement stmt = con.createStatement();</a:t>
             </a:r>
             <a:endParaRPr sz="1400">
               <a:latin typeface="Courier New"/>
@@ -11027,7 +11757,7 @@
                 <a:cs typeface="Courier New"/>
                 <a:sym typeface="Courier New"/>
               </a:rPr>
-              <a:t>stmt.close();</a:t>
+              <a:t>stmt.executeUpdate(query);</a:t>
             </a:r>
             <a:endParaRPr sz="1400">
               <a:latin typeface="Courier New"/>
@@ -11042,16 +11772,21 @@
                 <a:spcPct val="100000"/>
               </a:lnSpc>
               <a:spcBef>
-                <a:spcPts val="1600"/>
-              </a:spcBef>
-              <a:spcAft>
-                <a:spcPts val="0"/>
-              </a:spcAft>
-              <a:buNone/>
-            </a:pPr>
-            <a:r>
-              <a:rPr lang="it" sz="1400"/>
-              <a:t>Inserimento di tuple all'interno di una tabella:</a:t>
+                <a:spcPts val="0"/>
+              </a:spcBef>
+              <a:spcAft>
+                <a:spcPts val="0"/>
+              </a:spcAft>
+              <a:buNone/>
+            </a:pPr>
+            <a:r>
+              <a:rPr lang="it" sz="1400">
+                <a:latin typeface="Courier New"/>
+                <a:ea typeface="Courier New"/>
+                <a:cs typeface="Courier New"/>
+                <a:sym typeface="Courier New"/>
+              </a:rPr>
+              <a:t>stmt.close();</a:t>
             </a:r>
             <a:endParaRPr sz="1400">
               <a:latin typeface="Courier New"/>
@@ -11066,21 +11801,16 @@
                 <a:spcPct val="100000"/>
               </a:lnSpc>
               <a:spcBef>
-                <a:spcPts val="0"/>
-              </a:spcBef>
-              <a:spcAft>
-                <a:spcPts val="0"/>
-              </a:spcAft>
-              <a:buNone/>
-            </a:pPr>
-            <a:r>
-              <a:rPr lang="it" sz="1400">
-                <a:latin typeface="Courier New"/>
-                <a:ea typeface="Courier New"/>
-                <a:cs typeface="Courier New"/>
-                <a:sym typeface="Courier New"/>
-              </a:rPr>
-              <a:t>Statement stmt = con.createStatement();</a:t>
+                <a:spcPts val="1600"/>
+              </a:spcBef>
+              <a:spcAft>
+                <a:spcPts val="0"/>
+              </a:spcAft>
+              <a:buNone/>
+            </a:pPr>
+            <a:r>
+              <a:rPr lang="it" sz="1400"/>
+              <a:t>Inserimento di tuple all'interno di una tabella:</a:t>
             </a:r>
             <a:endParaRPr sz="1400">
               <a:latin typeface="Courier New"/>
@@ -11109,7 +11839,7 @@
                 <a:cs typeface="Courier New"/>
                 <a:sym typeface="Courier New"/>
               </a:rPr>
-              <a:t>stmt.executeUpdate(</a:t>
+              <a:t>PreparedStatement stmt = con.prepareStatement(</a:t>
             </a:r>
             <a:r>
               <a:rPr lang="it" sz="1400">
@@ -11121,7 +11851,7 @@
                 <a:cs typeface="Courier New"/>
                 <a:sym typeface="Courier New"/>
               </a:rPr>
-              <a:t>"INSERT INTO users VALUES(1,'mario','rossi','u1');"</a:t>
+              <a:t>"INSERT INTO users VALUES(?, ?, ?, ?);"</a:t>
             </a:r>
             <a:r>
               <a:rPr lang="it" sz="1400">
@@ -11159,28 +11889,7 @@
                 <a:cs typeface="Courier New"/>
                 <a:sym typeface="Courier New"/>
               </a:rPr>
-              <a:t>stmt.executeUpdate(</a:t>
-            </a:r>
-            <a:r>
-              <a:rPr lang="it" sz="1400">
-                <a:solidFill>
-                  <a:srgbClr val="9400D1"/>
-                </a:solidFill>
-                <a:latin typeface="Courier New"/>
-                <a:ea typeface="Courier New"/>
-                <a:cs typeface="Courier New"/>
-                <a:sym typeface="Courier New"/>
-              </a:rPr>
-              <a:t>"INSERT INTO users VALUES(2,'mario','bianchi','u2');"</a:t>
-            </a:r>
-            <a:r>
-              <a:rPr lang="it" sz="1400">
-                <a:latin typeface="Courier New"/>
-                <a:ea typeface="Courier New"/>
-                <a:cs typeface="Courier New"/>
-                <a:sym typeface="Courier New"/>
-              </a:rPr>
-              <a:t>);</a:t>
+              <a:t>stmt.setInt(1,1);</a:t>
             </a:r>
             <a:endParaRPr sz="1400">
               <a:latin typeface="Courier New"/>
@@ -11209,7 +11918,7 @@
                 <a:cs typeface="Courier New"/>
                 <a:sym typeface="Courier New"/>
               </a:rPr>
-              <a:t>stmt.executeUpdate(</a:t>
+              <a:t>stmt.setString(2,</a:t>
             </a:r>
             <a:r>
               <a:rPr lang="it" sz="1400">
@@ -11221,7 +11930,7 @@
                 <a:cs typeface="Courier New"/>
                 <a:sym typeface="Courier New"/>
               </a:rPr>
-              <a:t>"INSERT INTO users VALUES(3,'rosa','rossi','u3');"</a:t>
+              <a:t>"mario"</a:t>
             </a:r>
             <a:r>
               <a:rPr lang="it" sz="1400">
@@ -11230,7 +11939,7 @@
                 <a:cs typeface="Courier New"/>
                 <a:sym typeface="Courier New"/>
               </a:rPr>
-              <a:t>); stmt.close();</a:t>
+              <a:t>);</a:t>
             </a:r>
             <a:endParaRPr sz="1400">
               <a:latin typeface="Courier New"/>
@@ -11253,7 +11962,34 @@
               <a:buNone/>
             </a:pPr>
             <a:r>
-              <a:t/>
+              <a:rPr lang="it" sz="1400">
+                <a:latin typeface="Courier New"/>
+                <a:ea typeface="Courier New"/>
+                <a:cs typeface="Courier New"/>
+                <a:sym typeface="Courier New"/>
+              </a:rPr>
+              <a:t>stmt.setString(3, </a:t>
+            </a:r>
+            <a:r>
+              <a:rPr lang="it" sz="1400">
+                <a:solidFill>
+                  <a:srgbClr val="9400D1"/>
+                </a:solidFill>
+                <a:latin typeface="Courier New"/>
+                <a:ea typeface="Courier New"/>
+                <a:cs typeface="Courier New"/>
+                <a:sym typeface="Courier New"/>
+              </a:rPr>
+              <a:t>"rossi"</a:t>
+            </a:r>
+            <a:r>
+              <a:rPr lang="it" sz="1400">
+                <a:latin typeface="Courier New"/>
+                <a:ea typeface="Courier New"/>
+                <a:cs typeface="Courier New"/>
+                <a:sym typeface="Courier New"/>
+              </a:rPr>
+              <a:t>);</a:t>
             </a:r>
             <a:endParaRPr sz="1400">
               <a:latin typeface="Courier New"/>
@@ -11276,8 +12012,34 @@
               <a:buNone/>
             </a:pPr>
             <a:r>
-              <a:rPr lang="it" sz="1400"/>
-              <a:t>Rimozione di tuple all'interno di una tabella:</a:t>
+              <a:rPr lang="it" sz="1400">
+                <a:latin typeface="Courier New"/>
+                <a:ea typeface="Courier New"/>
+                <a:cs typeface="Courier New"/>
+                <a:sym typeface="Courier New"/>
+              </a:rPr>
+              <a:t>stmt.setString(4,</a:t>
+            </a:r>
+            <a:r>
+              <a:rPr lang="it" sz="1400">
+                <a:solidFill>
+                  <a:srgbClr val="9400D1"/>
+                </a:solidFill>
+                <a:latin typeface="Courier New"/>
+                <a:ea typeface="Courier New"/>
+                <a:cs typeface="Courier New"/>
+                <a:sym typeface="Courier New"/>
+              </a:rPr>
+              <a:t>"username"</a:t>
+            </a:r>
+            <a:r>
+              <a:rPr lang="it" sz="1400">
+                <a:latin typeface="Courier New"/>
+                <a:ea typeface="Courier New"/>
+                <a:cs typeface="Courier New"/>
+                <a:sym typeface="Courier New"/>
+              </a:rPr>
+              <a:t>);</a:t>
             </a:r>
             <a:endParaRPr sz="1400">
               <a:latin typeface="Courier New"/>
@@ -11306,7 +12068,7 @@
                 <a:cs typeface="Courier New"/>
                 <a:sym typeface="Courier New"/>
               </a:rPr>
-              <a:t>Statement stmt = con.createStatement();</a:t>
+              <a:t>stmt.execute();</a:t>
             </a:r>
             <a:endParaRPr sz="1400">
               <a:latin typeface="Courier New"/>
@@ -11329,34 +12091,7 @@
               <a:buNone/>
             </a:pPr>
             <a:r>
-              <a:rPr lang="it" sz="1400">
-                <a:latin typeface="Courier New"/>
-                <a:ea typeface="Courier New"/>
-                <a:cs typeface="Courier New"/>
-                <a:sym typeface="Courier New"/>
-              </a:rPr>
-              <a:t>stmt.executeUpdate(</a:t>
-            </a:r>
-            <a:r>
-              <a:rPr lang="it" sz="1400">
-                <a:solidFill>
-                  <a:srgbClr val="9400D1"/>
-                </a:solidFill>
-                <a:latin typeface="Courier New"/>
-                <a:ea typeface="Courier New"/>
-                <a:cs typeface="Courier New"/>
-                <a:sym typeface="Courier New"/>
-              </a:rPr>
-              <a:t>"DELETE from users;"</a:t>
-            </a:r>
-            <a:r>
-              <a:rPr lang="it" sz="1400">
-                <a:latin typeface="Courier New"/>
-                <a:ea typeface="Courier New"/>
-                <a:cs typeface="Courier New"/>
-                <a:sym typeface="Courier New"/>
-              </a:rPr>
-              <a:t>);</a:t>
+              <a:t/>
             </a:r>
             <a:endParaRPr sz="1400">
               <a:latin typeface="Courier New"/>
@@ -11379,13 +12114,8 @@
               <a:buNone/>
             </a:pPr>
             <a:r>
-              <a:rPr lang="it" sz="1400">
-                <a:latin typeface="Courier New"/>
-                <a:ea typeface="Courier New"/>
-                <a:cs typeface="Courier New"/>
-                <a:sym typeface="Courier New"/>
-              </a:rPr>
-              <a:t>stmt.close();</a:t>
+              <a:rPr lang="it" sz="1400"/>
+              <a:t>Rimozione di tuple all'interno di una tabella:</a:t>
             </a:r>
             <a:endParaRPr sz="1400">
               <a:latin typeface="Courier New"/>
@@ -11408,7 +12138,13 @@
               <a:buNone/>
             </a:pPr>
             <a:r>
-              <a:t/>
+              <a:rPr lang="it" sz="1400">
+                <a:latin typeface="Courier New"/>
+                <a:ea typeface="Courier New"/>
+                <a:cs typeface="Courier New"/>
+                <a:sym typeface="Courier New"/>
+              </a:rPr>
+              <a:t>Statement stmt = con.createStatement();</a:t>
             </a:r>
             <a:endParaRPr sz="1400">
               <a:latin typeface="Courier New"/>
@@ -11423,15 +12159,71 @@
                 <a:spcPct val="100000"/>
               </a:lnSpc>
               <a:spcBef>
-                <a:spcPts val="1600"/>
-              </a:spcBef>
-              <a:spcAft>
-                <a:spcPts val="1600"/>
-              </a:spcAft>
-              <a:buNone/>
-            </a:pPr>
-            <a:r>
-              <a:t/>
+                <a:spcPts val="0"/>
+              </a:spcBef>
+              <a:spcAft>
+                <a:spcPts val="0"/>
+              </a:spcAft>
+              <a:buNone/>
+            </a:pPr>
+            <a:r>
+              <a:rPr lang="it" sz="1400">
+                <a:latin typeface="Courier New"/>
+                <a:ea typeface="Courier New"/>
+                <a:cs typeface="Courier New"/>
+                <a:sym typeface="Courier New"/>
+              </a:rPr>
+              <a:t>stmt.executeUpdate(</a:t>
+            </a:r>
+            <a:r>
+              <a:rPr lang="it" sz="1400">
+                <a:solidFill>
+                  <a:srgbClr val="9400D1"/>
+                </a:solidFill>
+                <a:latin typeface="Courier New"/>
+                <a:ea typeface="Courier New"/>
+                <a:cs typeface="Courier New"/>
+                <a:sym typeface="Courier New"/>
+              </a:rPr>
+              <a:t>"DELETE from users;"</a:t>
+            </a:r>
+            <a:r>
+              <a:rPr lang="it" sz="1400">
+                <a:latin typeface="Courier New"/>
+                <a:ea typeface="Courier New"/>
+                <a:cs typeface="Courier New"/>
+                <a:sym typeface="Courier New"/>
+              </a:rPr>
+              <a:t>);</a:t>
+            </a:r>
+            <a:endParaRPr sz="1400">
+              <a:latin typeface="Courier New"/>
+              <a:ea typeface="Courier New"/>
+              <a:cs typeface="Courier New"/>
+              <a:sym typeface="Courier New"/>
+            </a:endParaRPr>
+          </a:p>
+          <a:p>
+            <a:pPr indent="0" lvl="0" marL="0" rtl="0" algn="l">
+              <a:lnSpc>
+                <a:spcPct val="100000"/>
+              </a:lnSpc>
+              <a:spcBef>
+                <a:spcPts val="0"/>
+              </a:spcBef>
+              <a:spcAft>
+                <a:spcPts val="0"/>
+              </a:spcAft>
+              <a:buNone/>
+            </a:pPr>
+            <a:r>
+              <a:rPr lang="it" sz="1400">
+                <a:latin typeface="Courier New"/>
+                <a:ea typeface="Courier New"/>
+                <a:cs typeface="Courier New"/>
+                <a:sym typeface="Courier New"/>
+              </a:rPr>
+              <a:t>stmt.close();</a:t>
             </a:r>
             <a:endParaRPr sz="1400">
               <a:latin typeface="Courier New"/>
@@ -12843,75 +13635,41 @@
           <a:lstStyle/>
           <a:p>
             <a:pPr indent="0" lvl="0" marL="0" rtl="0" algn="l">
-              <a:spcBef>
-                <a:spcPts val="0"/>
-              </a:spcBef>
-              <a:spcAft>
-                <a:spcPts val="0"/>
-              </a:spcAft>
-              <a:buNone/>
-            </a:pPr>
-            <a:r>
-              <a:rPr lang="it" sz="1200"/>
-              <a:t>Quando si utilizza il database per memorizzare dei dati sensibili come le </a:t>
-            </a:r>
-            <a:r>
-              <a:rPr lang="it" sz="1200">
-                <a:solidFill>
-                  <a:schemeClr val="accent3"/>
-                </a:solidFill>
-              </a:rPr>
-              <a:t>password</a:t>
-            </a:r>
-            <a:r>
-              <a:rPr lang="it" sz="1200"/>
-              <a:t>, è opportuno che </a:t>
-            </a:r>
-            <a:r>
-              <a:rPr lang="it" sz="1200">
-                <a:solidFill>
-                  <a:schemeClr val="accent3"/>
-                </a:solidFill>
-              </a:rPr>
-              <a:t>non siano salvate in chiaro</a:t>
-            </a:r>
-            <a:r>
-              <a:rPr lang="it" sz="1200"/>
-              <a:t>! Ci sono diverse possibili soluzioni che si possono adottare, es. (</a:t>
-            </a:r>
-            <a:r>
-              <a:rPr lang="it" sz="1200">
-                <a:solidFill>
-                  <a:schemeClr val="accent3"/>
-                </a:solidFill>
-              </a:rPr>
-              <a:t>Bcrypt</a:t>
-            </a:r>
-            <a:r>
-              <a:rPr lang="it" sz="1200"/>
-              <a:t>, PBKDF2, Scrypt, ecc.). </a:t>
-            </a:r>
-            <a:r>
-              <a:rPr lang="it" sz="1200"/>
-              <a:t>Download spring security: </a:t>
-            </a:r>
-            <a:r>
-              <a:rPr lang="it" sz="1200" u="sng">
-                <a:solidFill>
-                  <a:schemeClr val="hlink"/>
-                </a:solidFill>
-                <a:hlinkClick r:id="rId3"/>
-              </a:rPr>
-              <a:t>https://mvnrepository.com/artifact/org.springframework.security/spring-security-core</a:t>
-            </a:r>
-            <a:r>
-              <a:rPr lang="it" sz="1200"/>
-              <a:t>.</a:t>
-            </a:r>
-            <a:endParaRPr sz="1200"/>
+              <a:lnSpc>
+                <a:spcPct val="100000"/>
+              </a:lnSpc>
+              <a:spcBef>
+                <a:spcPts val="0"/>
+              </a:spcBef>
+              <a:spcAft>
+                <a:spcPts val="0"/>
+              </a:spcAft>
+              <a:buNone/>
+            </a:pPr>
+            <a:r>
+              <a:rPr lang="it" sz="1400"/>
+              <a:t>Quando si effettuano delle query, degli inserimenti o delle rimozioni e si riceve come parametro qualcosa da input, è buona norma usare </a:t>
+            </a:r>
+            <a:r>
+              <a:rPr lang="it" sz="1400">
+                <a:latin typeface="Courier New"/>
+                <a:ea typeface="Courier New"/>
+                <a:cs typeface="Courier New"/>
+                <a:sym typeface="Courier New"/>
+              </a:rPr>
+              <a:t>PreparedStatement</a:t>
+            </a:r>
+            <a:r>
+              <a:rPr lang="it" sz="1400"/>
+              <a:t> e settare i parametri segnati con il ?.</a:t>
+            </a:r>
+            <a:endParaRPr sz="1400"/>
           </a:p>
           <a:p>
             <a:pPr indent="0" lvl="0" marL="0" rtl="0" algn="l">
+              <a:lnSpc>
+                <a:spcPct val="100000"/>
+              </a:lnSpc>
               <a:spcBef>
                 <a:spcPts val="0"/>
               </a:spcBef>
@@ -12923,329 +13681,523 @@
             <a:r>
               <a:t/>
             </a:r>
-            <a:endParaRPr sz="1200"/>
+            <a:endParaRPr sz="1400"/>
           </a:p>
           <a:p>
             <a:pPr indent="0" lvl="0" marL="0" rtl="0" algn="l">
-              <a:spcBef>
-                <a:spcPts val="0"/>
-              </a:spcBef>
-              <a:spcAft>
-                <a:spcPts val="0"/>
-              </a:spcAft>
-              <a:buNone/>
-            </a:pPr>
-            <a:r>
-              <a:rPr lang="it" sz="1200">
+              <a:lnSpc>
+                <a:spcPct val="100000"/>
+              </a:lnSpc>
+              <a:spcBef>
+                <a:spcPts val="0"/>
+              </a:spcBef>
+              <a:spcAft>
+                <a:spcPts val="0"/>
+              </a:spcAft>
+              <a:buNone/>
+            </a:pPr>
+            <a:r>
+              <a:rPr lang="it" sz="1400"/>
+              <a:t>Ad esempio:</a:t>
+            </a:r>
+            <a:endParaRPr sz="1400"/>
+          </a:p>
+          <a:p>
+            <a:pPr indent="0" lvl="0" marL="0" rtl="0" algn="l">
+              <a:lnSpc>
+                <a:spcPct val="100000"/>
+              </a:lnSpc>
+              <a:spcBef>
+                <a:spcPts val="0"/>
+              </a:spcBef>
+              <a:spcAft>
+                <a:spcPts val="0"/>
+              </a:spcAft>
+              <a:buNone/>
+            </a:pPr>
+            <a:r>
+              <a:t/>
+            </a:r>
+            <a:endParaRPr sz="1400"/>
+          </a:p>
+          <a:p>
+            <a:pPr indent="0" lvl="0" marL="0" rtl="0" algn="l">
+              <a:lnSpc>
+                <a:spcPct val="100000"/>
+              </a:lnSpc>
+              <a:spcBef>
+                <a:spcPts val="0"/>
+              </a:spcBef>
+              <a:spcAft>
+                <a:spcPts val="0"/>
+              </a:spcAft>
+              <a:buNone/>
+            </a:pPr>
+            <a:r>
+              <a:rPr lang="it" sz="1400">
                 <a:solidFill>
                   <a:srgbClr val="1EB540"/>
                 </a:solidFill>
-              </a:rPr>
-              <a:t>//Codifica della password:</a:t>
-            </a:r>
-            <a:endParaRPr sz="1200">
+                <a:latin typeface="Courier New"/>
+                <a:ea typeface="Courier New"/>
+                <a:cs typeface="Courier New"/>
+                <a:sym typeface="Courier New"/>
+              </a:rPr>
+              <a:t>//OK:</a:t>
+            </a:r>
+            <a:endParaRPr sz="1400">
               <a:solidFill>
                 <a:srgbClr val="1EB540"/>
               </a:solidFill>
+              <a:latin typeface="Courier New"/>
+              <a:ea typeface="Courier New"/>
+              <a:cs typeface="Courier New"/>
+              <a:sym typeface="Courier New"/>
             </a:endParaRPr>
           </a:p>
           <a:p>
             <a:pPr indent="0" lvl="0" marL="0" rtl="0" algn="l">
-              <a:spcBef>
-                <a:spcPts val="0"/>
-              </a:spcBef>
-              <a:spcAft>
-                <a:spcPts val="0"/>
-              </a:spcAft>
-              <a:buNone/>
-            </a:pPr>
-            <a:r>
-              <a:rPr lang="it" sz="1200"/>
-              <a:t>String userPassword = </a:t>
-            </a:r>
-            <a:r>
-              <a:rPr lang="it" sz="1200">
+              <a:lnSpc>
+                <a:spcPct val="100000"/>
+              </a:lnSpc>
+              <a:spcBef>
+                <a:spcPts val="0"/>
+              </a:spcBef>
+              <a:spcAft>
+                <a:spcPts val="0"/>
+              </a:spcAft>
+              <a:buNone/>
+            </a:pPr>
+            <a:r>
+              <a:rPr lang="it" sz="1400">
+                <a:solidFill>
+                  <a:srgbClr val="0000BF"/>
+                </a:solidFill>
+                <a:latin typeface="Courier New"/>
+                <a:ea typeface="Courier New"/>
+                <a:cs typeface="Courier New"/>
+                <a:sym typeface="Courier New"/>
+              </a:rPr>
+              <a:t>public void</a:t>
+            </a:r>
+            <a:r>
+              <a:rPr lang="it" sz="1400">
+                <a:latin typeface="Courier New"/>
+                <a:ea typeface="Courier New"/>
+                <a:cs typeface="Courier New"/>
+                <a:sym typeface="Courier New"/>
+              </a:rPr>
+              <a:t> print(String name) {</a:t>
+            </a:r>
+            <a:endParaRPr sz="1400">
+              <a:latin typeface="Courier New"/>
+              <a:ea typeface="Courier New"/>
+              <a:cs typeface="Courier New"/>
+              <a:sym typeface="Courier New"/>
+            </a:endParaRPr>
+          </a:p>
+          <a:p>
+            <a:pPr indent="0" lvl="0" marL="0" rtl="0" algn="l">
+              <a:lnSpc>
+                <a:spcPct val="100000"/>
+              </a:lnSpc>
+              <a:spcBef>
+                <a:spcPts val="0"/>
+              </a:spcBef>
+              <a:spcAft>
+                <a:spcPts val="0"/>
+              </a:spcAft>
+              <a:buNone/>
+            </a:pPr>
+            <a:r>
+              <a:rPr lang="it" sz="1400">
+                <a:latin typeface="Courier New"/>
+                <a:ea typeface="Courier New"/>
+                <a:cs typeface="Courier New"/>
+                <a:sym typeface="Courier New"/>
+              </a:rPr>
+              <a:t>    String query = </a:t>
+            </a:r>
+            <a:r>
+              <a:rPr lang="it" sz="1400">
                 <a:solidFill>
                   <a:srgbClr val="9400D1"/>
                 </a:solidFill>
-              </a:rPr>
-              <a:t>"this_is_the_password_of_the_user" </a:t>
-            </a:r>
-            <a:r>
-              <a:rPr lang="it" sz="1200"/>
-              <a:t>; </a:t>
-            </a:r>
-            <a:r>
-              <a:rPr lang="it" sz="1200">
+                <a:latin typeface="Courier New"/>
+                <a:ea typeface="Courier New"/>
+                <a:cs typeface="Courier New"/>
+                <a:sym typeface="Courier New"/>
+              </a:rPr>
+              <a:t>"select * from users where first_name=?;"</a:t>
+            </a:r>
+            <a:r>
+              <a:rPr lang="it" sz="1400">
+                <a:latin typeface="Courier New"/>
+                <a:ea typeface="Courier New"/>
+                <a:cs typeface="Courier New"/>
+                <a:sym typeface="Courier New"/>
+              </a:rPr>
+              <a:t>;</a:t>
+            </a:r>
+            <a:endParaRPr sz="1400">
+              <a:latin typeface="Courier New"/>
+              <a:ea typeface="Courier New"/>
+              <a:cs typeface="Courier New"/>
+              <a:sym typeface="Courier New"/>
+            </a:endParaRPr>
+          </a:p>
+          <a:p>
+            <a:pPr indent="0" lvl="0" marL="0" rtl="0" algn="l">
+              <a:lnSpc>
+                <a:spcPct val="100000"/>
+              </a:lnSpc>
+              <a:spcBef>
+                <a:spcPts val="0"/>
+              </a:spcBef>
+              <a:spcAft>
+                <a:spcPts val="0"/>
+              </a:spcAft>
+              <a:buNone/>
+            </a:pPr>
+            <a:r>
+              <a:rPr lang="it" sz="1400">
+                <a:latin typeface="Courier New"/>
+                <a:ea typeface="Courier New"/>
+                <a:cs typeface="Courier New"/>
+                <a:sym typeface="Courier New"/>
+              </a:rPr>
+              <a:t>    PreparedStatement stmt = con.prepareStatement(query);</a:t>
+            </a:r>
+            <a:endParaRPr sz="1400">
+              <a:latin typeface="Courier New"/>
+              <a:ea typeface="Courier New"/>
+              <a:cs typeface="Courier New"/>
+              <a:sym typeface="Courier New"/>
+            </a:endParaRPr>
+          </a:p>
+          <a:p>
+            <a:pPr indent="0" lvl="0" marL="0" rtl="0" algn="l">
+              <a:lnSpc>
+                <a:spcPct val="100000"/>
+              </a:lnSpc>
+              <a:spcBef>
+                <a:spcPts val="0"/>
+              </a:spcBef>
+              <a:spcAft>
+                <a:spcPts val="0"/>
+              </a:spcAft>
+              <a:buNone/>
+            </a:pPr>
+            <a:r>
+              <a:rPr lang="it" sz="1400">
+                <a:latin typeface="Courier New"/>
+                <a:ea typeface="Courier New"/>
+                <a:cs typeface="Courier New"/>
+                <a:sym typeface="Courier New"/>
+              </a:rPr>
+              <a:t>    stmt.setString(1, name);</a:t>
+            </a:r>
+            <a:endParaRPr sz="1400">
+              <a:latin typeface="Courier New"/>
+              <a:ea typeface="Courier New"/>
+              <a:cs typeface="Courier New"/>
+              <a:sym typeface="Courier New"/>
+            </a:endParaRPr>
+          </a:p>
+          <a:p>
+            <a:pPr indent="0" lvl="0" marL="0" rtl="0" algn="l">
+              <a:lnSpc>
+                <a:spcPct val="100000"/>
+              </a:lnSpc>
+              <a:spcBef>
+                <a:spcPts val="0"/>
+              </a:spcBef>
+              <a:spcAft>
+                <a:spcPts val="0"/>
+              </a:spcAft>
+              <a:buNone/>
+            </a:pPr>
+            <a:r>
+              <a:rPr lang="it" sz="1400">
+                <a:latin typeface="Courier New"/>
+                <a:ea typeface="Courier New"/>
+                <a:cs typeface="Courier New"/>
+                <a:sym typeface="Courier New"/>
+              </a:rPr>
+              <a:t>    ...</a:t>
+            </a:r>
+            <a:endParaRPr sz="1400">
+              <a:latin typeface="Courier New"/>
+              <a:ea typeface="Courier New"/>
+              <a:cs typeface="Courier New"/>
+              <a:sym typeface="Courier New"/>
+            </a:endParaRPr>
+          </a:p>
+          <a:p>
+            <a:pPr indent="0" lvl="0" marL="0" rtl="0" algn="l">
+              <a:lnSpc>
+                <a:spcPct val="100000"/>
+              </a:lnSpc>
+              <a:spcBef>
+                <a:spcPts val="0"/>
+              </a:spcBef>
+              <a:spcAft>
+                <a:spcPts val="0"/>
+              </a:spcAft>
+              <a:buNone/>
+            </a:pPr>
+            <a:r>
+              <a:rPr lang="it" sz="1400">
+                <a:latin typeface="Courier New"/>
+                <a:ea typeface="Courier New"/>
+                <a:cs typeface="Courier New"/>
+                <a:sym typeface="Courier New"/>
+              </a:rPr>
+              <a:t>}</a:t>
+            </a:r>
+            <a:endParaRPr sz="1400">
+              <a:latin typeface="Courier New"/>
+              <a:ea typeface="Courier New"/>
+              <a:cs typeface="Courier New"/>
+              <a:sym typeface="Courier New"/>
+            </a:endParaRPr>
+          </a:p>
+          <a:p>
+            <a:pPr indent="0" lvl="0" marL="0" rtl="0" algn="l">
+              <a:lnSpc>
+                <a:spcPct val="100000"/>
+              </a:lnSpc>
+              <a:spcBef>
+                <a:spcPts val="0"/>
+              </a:spcBef>
+              <a:spcAft>
+                <a:spcPts val="0"/>
+              </a:spcAft>
+              <a:buNone/>
+            </a:pPr>
+            <a:r>
+              <a:t/>
+            </a:r>
+            <a:endParaRPr sz="1400">
+              <a:latin typeface="Courier New"/>
+              <a:ea typeface="Courier New"/>
+              <a:cs typeface="Courier New"/>
+              <a:sym typeface="Courier New"/>
+            </a:endParaRPr>
+          </a:p>
+          <a:p>
+            <a:pPr indent="0" lvl="0" marL="0" rtl="0" algn="l">
+              <a:lnSpc>
+                <a:spcPct val="100000"/>
+              </a:lnSpc>
+              <a:spcBef>
+                <a:spcPts val="0"/>
+              </a:spcBef>
+              <a:spcAft>
+                <a:spcPts val="0"/>
+              </a:spcAft>
+              <a:buNone/>
+            </a:pPr>
+            <a:r>
+              <a:rPr lang="it" sz="1400">
                 <a:solidFill>
                   <a:srgbClr val="1EB540"/>
                 </a:solidFill>
-              </a:rPr>
-              <a:t>//Questa è la password dell’utente</a:t>
-            </a:r>
-            <a:endParaRPr sz="1200">
+                <a:latin typeface="Courier New"/>
+                <a:ea typeface="Courier New"/>
+                <a:cs typeface="Courier New"/>
+                <a:sym typeface="Courier New"/>
+              </a:rPr>
+              <a:t>//NO:</a:t>
+            </a:r>
+            <a:endParaRPr sz="1400">
               <a:solidFill>
                 <a:srgbClr val="1EB540"/>
               </a:solidFill>
+              <a:latin typeface="Courier New"/>
+              <a:ea typeface="Courier New"/>
+              <a:cs typeface="Courier New"/>
+              <a:sym typeface="Courier New"/>
             </a:endParaRPr>
           </a:p>
           <a:p>
             <a:pPr indent="0" lvl="0" marL="0" rtl="0" algn="l">
-              <a:spcBef>
-                <a:spcPts val="0"/>
-              </a:spcBef>
-              <a:spcAft>
-                <a:spcPts val="0"/>
-              </a:spcAft>
-              <a:buNone/>
-            </a:pPr>
-            <a:r>
-              <a:t/>
-            </a:r>
-            <a:endParaRPr sz="1200">
-              <a:solidFill>
-                <a:srgbClr val="1EB540"/>
-              </a:solidFill>
+              <a:lnSpc>
+                <a:spcPct val="100000"/>
+              </a:lnSpc>
+              <a:spcBef>
+                <a:spcPts val="0"/>
+              </a:spcBef>
+              <a:spcAft>
+                <a:spcPts val="0"/>
+              </a:spcAft>
+              <a:buNone/>
+            </a:pPr>
+            <a:r>
+              <a:rPr lang="it" sz="1400">
+                <a:solidFill>
+                  <a:srgbClr val="0000BF"/>
+                </a:solidFill>
+                <a:latin typeface="Courier New"/>
+                <a:ea typeface="Courier New"/>
+                <a:cs typeface="Courier New"/>
+                <a:sym typeface="Courier New"/>
+              </a:rPr>
+              <a:t>public void</a:t>
+            </a:r>
+            <a:r>
+              <a:rPr lang="it" sz="1400">
+                <a:latin typeface="Courier New"/>
+                <a:ea typeface="Courier New"/>
+                <a:cs typeface="Courier New"/>
+                <a:sym typeface="Courier New"/>
+              </a:rPr>
+              <a:t> print(String name) {</a:t>
+            </a:r>
+            <a:endParaRPr sz="1400">
+              <a:latin typeface="Courier New"/>
+              <a:ea typeface="Courier New"/>
+              <a:cs typeface="Courier New"/>
+              <a:sym typeface="Courier New"/>
             </a:endParaRPr>
           </a:p>
           <a:p>
             <a:pPr indent="0" lvl="0" marL="0" rtl="0" algn="l">
-              <a:spcBef>
-                <a:spcPts val="0"/>
-              </a:spcBef>
-              <a:spcAft>
-                <a:spcPts val="0"/>
-              </a:spcAft>
-              <a:buNone/>
-            </a:pPr>
-            <a:r>
-              <a:rPr lang="it" sz="1200">
-                <a:solidFill>
-                  <a:srgbClr val="1EB540"/>
-                </a:solidFill>
-              </a:rPr>
-              <a:t>//Generazione della password criptata.</a:t>
-            </a:r>
-            <a:endParaRPr sz="1200">
-              <a:solidFill>
-                <a:srgbClr val="1EB540"/>
-              </a:solidFill>
+              <a:lnSpc>
+                <a:spcPct val="100000"/>
+              </a:lnSpc>
+              <a:spcBef>
+                <a:spcPts val="0"/>
+              </a:spcBef>
+              <a:spcAft>
+                <a:spcPts val="0"/>
+              </a:spcAft>
+              <a:buNone/>
+            </a:pPr>
+            <a:r>
+              <a:rPr lang="it" sz="1400">
+                <a:latin typeface="Courier New"/>
+                <a:ea typeface="Courier New"/>
+                <a:cs typeface="Courier New"/>
+                <a:sym typeface="Courier New"/>
+              </a:rPr>
+              <a:t>    </a:t>
+            </a:r>
+            <a:r>
+              <a:rPr lang="it" sz="1400" strike="sngStrike">
+                <a:latin typeface="Courier New"/>
+                <a:ea typeface="Courier New"/>
+                <a:cs typeface="Courier New"/>
+                <a:sym typeface="Courier New"/>
+              </a:rPr>
+              <a:t>String query = </a:t>
+            </a:r>
+            <a:r>
+              <a:rPr lang="it" sz="1400" strike="sngStrike">
+                <a:solidFill>
+                  <a:srgbClr val="9400D1"/>
+                </a:solidFill>
+                <a:latin typeface="Courier New"/>
+                <a:ea typeface="Courier New"/>
+                <a:cs typeface="Courier New"/>
+                <a:sym typeface="Courier New"/>
+              </a:rPr>
+              <a:t>"select * from users where first_name='" </a:t>
+            </a:r>
+            <a:r>
+              <a:rPr lang="it" sz="1400" strike="sngStrike">
+                <a:latin typeface="Courier New"/>
+                <a:ea typeface="Courier New"/>
+                <a:cs typeface="Courier New"/>
+                <a:sym typeface="Courier New"/>
+              </a:rPr>
+              <a:t>+ name + </a:t>
+            </a:r>
+            <a:r>
+              <a:rPr lang="it" sz="1400" strike="sngStrike">
+                <a:solidFill>
+                  <a:srgbClr val="9400D1"/>
+                </a:solidFill>
+                <a:latin typeface="Courier New"/>
+                <a:ea typeface="Courier New"/>
+                <a:cs typeface="Courier New"/>
+                <a:sym typeface="Courier New"/>
+              </a:rPr>
+              <a:t>"';"</a:t>
+            </a:r>
+            <a:r>
+              <a:rPr lang="it" sz="1400" strike="sngStrike">
+                <a:latin typeface="Courier New"/>
+                <a:ea typeface="Courier New"/>
+                <a:cs typeface="Courier New"/>
+                <a:sym typeface="Courier New"/>
+              </a:rPr>
+              <a:t>;</a:t>
+            </a:r>
+            <a:endParaRPr sz="1400" strike="sngStrike">
+              <a:latin typeface="Courier New"/>
+              <a:ea typeface="Courier New"/>
+              <a:cs typeface="Courier New"/>
+              <a:sym typeface="Courier New"/>
             </a:endParaRPr>
           </a:p>
           <a:p>
             <a:pPr indent="0" lvl="0" marL="0" rtl="0" algn="l">
-              <a:spcBef>
-                <a:spcPts val="0"/>
-              </a:spcBef>
-              <a:spcAft>
-                <a:spcPts val="0"/>
-              </a:spcAft>
-              <a:buNone/>
-            </a:pPr>
-            <a:r>
-              <a:rPr lang="it" sz="1200"/>
-              <a:t>String encryptedPassword = BCrypt.hashpw(userPassword, BCrypt.gensalt(12));</a:t>
-            </a:r>
-            <a:endParaRPr sz="1200"/>
+              <a:lnSpc>
+                <a:spcPct val="100000"/>
+              </a:lnSpc>
+              <a:spcBef>
+                <a:spcPts val="0"/>
+              </a:spcBef>
+              <a:spcAft>
+                <a:spcPts val="0"/>
+              </a:spcAft>
+              <a:buNone/>
+            </a:pPr>
+            <a:r>
+              <a:rPr lang="it" sz="1400">
+                <a:latin typeface="Courier New"/>
+                <a:ea typeface="Courier New"/>
+                <a:cs typeface="Courier New"/>
+                <a:sym typeface="Courier New"/>
+              </a:rPr>
+              <a:t>    ...</a:t>
+            </a:r>
+            <a:endParaRPr sz="1400">
+              <a:latin typeface="Courier New"/>
+              <a:ea typeface="Courier New"/>
+              <a:cs typeface="Courier New"/>
+              <a:sym typeface="Courier New"/>
+            </a:endParaRPr>
           </a:p>
           <a:p>
             <a:pPr indent="0" lvl="0" marL="0" rtl="0" algn="l">
-              <a:spcBef>
-                <a:spcPts val="0"/>
-              </a:spcBef>
-              <a:spcAft>
-                <a:spcPts val="0"/>
-              </a:spcAft>
-              <a:buNone/>
-            </a:pPr>
-            <a:r>
-              <a:rPr lang="it" sz="1200"/>
-              <a:t>System.out.println(encryptedPassword); </a:t>
-            </a:r>
-            <a:r>
-              <a:rPr lang="it" sz="1200">
-                <a:solidFill>
-                  <a:srgbClr val="1EB540"/>
-                </a:solidFill>
-              </a:rPr>
-              <a:t>//Nel database si salva questa encryptedPassword</a:t>
-            </a:r>
-            <a:endParaRPr sz="1200">
-              <a:solidFill>
-                <a:srgbClr val="1EB540"/>
-              </a:solidFill>
+              <a:lnSpc>
+                <a:spcPct val="100000"/>
+              </a:lnSpc>
+              <a:spcBef>
+                <a:spcPts val="0"/>
+              </a:spcBef>
+              <a:spcAft>
+                <a:spcPts val="0"/>
+              </a:spcAft>
+              <a:buNone/>
+            </a:pPr>
+            <a:r>
+              <a:rPr lang="it" sz="1400">
+                <a:latin typeface="Courier New"/>
+                <a:ea typeface="Courier New"/>
+                <a:cs typeface="Courier New"/>
+                <a:sym typeface="Courier New"/>
+              </a:rPr>
+              <a:t>}</a:t>
+            </a:r>
+            <a:endParaRPr sz="1400">
+              <a:latin typeface="Courier New"/>
+              <a:ea typeface="Courier New"/>
+              <a:cs typeface="Courier New"/>
+              <a:sym typeface="Courier New"/>
             </a:endParaRPr>
-          </a:p>
-          <a:p>
-            <a:pPr indent="0" lvl="0" marL="0" rtl="0" algn="l">
-              <a:spcBef>
-                <a:spcPts val="0"/>
-              </a:spcBef>
-              <a:spcAft>
-                <a:spcPts val="0"/>
-              </a:spcAft>
-              <a:buNone/>
-            </a:pPr>
-            <a:r>
-              <a:t/>
-            </a:r>
-            <a:endParaRPr sz="1200">
-              <a:solidFill>
-                <a:srgbClr val="1EB540"/>
-              </a:solidFill>
-            </a:endParaRPr>
-          </a:p>
-          <a:p>
-            <a:pPr indent="0" lvl="0" marL="0" rtl="0" algn="l">
-              <a:spcBef>
-                <a:spcPts val="0"/>
-              </a:spcBef>
-              <a:spcAft>
-                <a:spcPts val="0"/>
-              </a:spcAft>
-              <a:buNone/>
-            </a:pPr>
-            <a:r>
-              <a:rPr lang="it" sz="1200">
-                <a:solidFill>
-                  <a:srgbClr val="1EB540"/>
-                </a:solidFill>
-              </a:rPr>
-              <a:t>//Controllo</a:t>
-            </a:r>
-            <a:endParaRPr sz="1200">
-              <a:solidFill>
-                <a:srgbClr val="1EB540"/>
-              </a:solidFill>
-            </a:endParaRPr>
-          </a:p>
-          <a:p>
-            <a:pPr indent="0" lvl="0" marL="0" rtl="0" algn="l">
-              <a:spcBef>
-                <a:spcPts val="0"/>
-              </a:spcBef>
-              <a:spcAft>
-                <a:spcPts val="0"/>
-              </a:spcAft>
-              <a:buNone/>
-            </a:pPr>
-            <a:r>
-              <a:rPr lang="it" sz="1200">
-                <a:solidFill>
-                  <a:srgbClr val="0000BF"/>
-                </a:solidFill>
-              </a:rPr>
-              <a:t>boolean</a:t>
-            </a:r>
-            <a:r>
-              <a:rPr lang="it" sz="1200"/>
-              <a:t> check = BCrypt.checkpw(userPassword, encryptedPassword);</a:t>
-            </a:r>
-            <a:endParaRPr sz="1200"/>
-          </a:p>
-          <a:p>
-            <a:pPr indent="0" lvl="0" marL="0" rtl="0" algn="l">
-              <a:spcBef>
-                <a:spcPts val="0"/>
-              </a:spcBef>
-              <a:spcAft>
-                <a:spcPts val="0"/>
-              </a:spcAft>
-              <a:buNone/>
-            </a:pPr>
-            <a:r>
-              <a:rPr lang="it" sz="1200">
-                <a:solidFill>
-                  <a:srgbClr val="0000BF"/>
-                </a:solidFill>
-              </a:rPr>
-              <a:t>if</a:t>
-            </a:r>
-            <a:r>
-              <a:rPr lang="it" sz="1200"/>
-              <a:t>(check)</a:t>
-            </a:r>
-            <a:endParaRPr sz="1200"/>
-          </a:p>
-          <a:p>
-            <a:pPr indent="0" lvl="0" marL="0" rtl="0" algn="l">
-              <a:spcBef>
-                <a:spcPts val="0"/>
-              </a:spcBef>
-              <a:spcAft>
-                <a:spcPts val="0"/>
-              </a:spcAft>
-              <a:buNone/>
-            </a:pPr>
-            <a:r>
-              <a:rPr lang="it" sz="1200"/>
-              <a:t>    System.out.println(</a:t>
-            </a:r>
-            <a:r>
-              <a:rPr lang="it" sz="1200">
-                <a:solidFill>
-                  <a:srgbClr val="9400D1"/>
-                </a:solidFill>
-              </a:rPr>
-              <a:t>"Password OK"</a:t>
-            </a:r>
-            <a:r>
-              <a:rPr lang="it" sz="1200"/>
-              <a:t>);</a:t>
-            </a:r>
-            <a:endParaRPr sz="1200"/>
-          </a:p>
-          <a:p>
-            <a:pPr indent="0" lvl="0" marL="0" rtl="0" algn="l">
-              <a:spcBef>
-                <a:spcPts val="0"/>
-              </a:spcBef>
-              <a:spcAft>
-                <a:spcPts val="0"/>
-              </a:spcAft>
-              <a:buNone/>
-            </a:pPr>
-            <a:r>
-              <a:rPr lang="it" sz="1200">
-                <a:solidFill>
-                  <a:srgbClr val="0000BF"/>
-                </a:solidFill>
-              </a:rPr>
-              <a:t>else</a:t>
-            </a:r>
-            <a:endParaRPr sz="1200">
-              <a:solidFill>
-                <a:srgbClr val="0000BF"/>
-              </a:solidFill>
-            </a:endParaRPr>
-          </a:p>
-          <a:p>
-            <a:pPr indent="0" lvl="0" marL="0" rtl="0" algn="l">
-              <a:spcBef>
-                <a:spcPts val="0"/>
-              </a:spcBef>
-              <a:spcAft>
-                <a:spcPts val="0"/>
-              </a:spcAft>
-              <a:buNone/>
-            </a:pPr>
-            <a:r>
-              <a:rPr lang="it" sz="1200"/>
-              <a:t>    System.out.println(</a:t>
-            </a:r>
-            <a:r>
-              <a:rPr lang="it" sz="1200">
-                <a:solidFill>
-                  <a:srgbClr val="9400D1"/>
-                </a:solidFill>
-              </a:rPr>
-              <a:t>"Wrong password"</a:t>
-            </a:r>
-            <a:r>
-              <a:rPr lang="it" sz="1200"/>
-              <a:t>);</a:t>
-            </a:r>
-            <a:endParaRPr sz="1200"/>
           </a:p>
         </p:txBody>
       </p:sp>
@@ -13283,7 +14235,7 @@
             </a:pPr>
             <a:r>
               <a:rPr lang="it"/>
-              <a:t>Osservazione sulle password</a:t>
+              <a:t>Osservazioni</a:t>
             </a:r>
             <a:endParaRPr/>
           </a:p>
